--- a/Chap/Start/Presentations/HW-Intro.pptx
+++ b/Chap/Start/Presentations/HW-Intro.pptx
@@ -19,19 +19,21 @@
     <p:sldId id="267" r:id="rId13"/>
     <p:sldId id="268" r:id="rId14"/>
     <p:sldId id="269" r:id="rId15"/>
-    <p:sldId id="270" r:id="rId16"/>
-    <p:sldId id="271" r:id="rId17"/>
-    <p:sldId id="272" r:id="rId18"/>
-    <p:sldId id="273" r:id="rId19"/>
-    <p:sldId id="274" r:id="rId20"/>
-    <p:sldId id="275" r:id="rId21"/>
-    <p:sldId id="276" r:id="rId22"/>
-    <p:sldId id="277" r:id="rId23"/>
-    <p:sldId id="278" r:id="rId24"/>
-    <p:sldId id="279" r:id="rId25"/>
-    <p:sldId id="280" r:id="rId26"/>
-    <p:sldId id="281" r:id="rId27"/>
-    <p:sldId id="282" r:id="rId28"/>
+    <p:sldId id="283" r:id="rId16"/>
+    <p:sldId id="270" r:id="rId17"/>
+    <p:sldId id="271" r:id="rId18"/>
+    <p:sldId id="272" r:id="rId19"/>
+    <p:sldId id="273" r:id="rId20"/>
+    <p:sldId id="274" r:id="rId21"/>
+    <p:sldId id="275" r:id="rId22"/>
+    <p:sldId id="276" r:id="rId23"/>
+    <p:sldId id="277" r:id="rId24"/>
+    <p:sldId id="284" r:id="rId25"/>
+    <p:sldId id="278" r:id="rId26"/>
+    <p:sldId id="279" r:id="rId27"/>
+    <p:sldId id="280" r:id="rId28"/>
+    <p:sldId id="281" r:id="rId29"/>
+    <p:sldId id="282" r:id="rId30"/>
   </p:sldIdLst>
   <p:sldSz cx="12192000" cy="6858000"/>
   <p:notesSz cx="6858000" cy="9144000"/>
@@ -285,7 +287,7 @@
           <a:p>
             <a:fld id="{8DF2E48B-4DCD-4B94-8BF7-6FE139A3DDCC}" type="datetimeFigureOut">
               <a:rPr lang="da-DK" smtClean="0"/>
-              <a:t>19-08-2023</a:t>
+              <a:t>23-08-2024</a:t>
             </a:fld>
             <a:endParaRPr lang="da-DK"/>
           </a:p>
@@ -483,7 +485,7 @@
           <a:p>
             <a:fld id="{8DF2E48B-4DCD-4B94-8BF7-6FE139A3DDCC}" type="datetimeFigureOut">
               <a:rPr lang="da-DK" smtClean="0"/>
-              <a:t>19-08-2023</a:t>
+              <a:t>23-08-2024</a:t>
             </a:fld>
             <a:endParaRPr lang="da-DK"/>
           </a:p>
@@ -691,7 +693,7 @@
           <a:p>
             <a:fld id="{8DF2E48B-4DCD-4B94-8BF7-6FE139A3DDCC}" type="datetimeFigureOut">
               <a:rPr lang="da-DK" smtClean="0"/>
-              <a:t>19-08-2023</a:t>
+              <a:t>23-08-2024</a:t>
             </a:fld>
             <a:endParaRPr lang="da-DK"/>
           </a:p>
@@ -889,7 +891,7 @@
           <a:p>
             <a:fld id="{8DF2E48B-4DCD-4B94-8BF7-6FE139A3DDCC}" type="datetimeFigureOut">
               <a:rPr lang="da-DK" smtClean="0"/>
-              <a:t>19-08-2023</a:t>
+              <a:t>23-08-2024</a:t>
             </a:fld>
             <a:endParaRPr lang="da-DK"/>
           </a:p>
@@ -1164,7 +1166,7 @@
           <a:p>
             <a:fld id="{8DF2E48B-4DCD-4B94-8BF7-6FE139A3DDCC}" type="datetimeFigureOut">
               <a:rPr lang="da-DK" smtClean="0"/>
-              <a:t>19-08-2023</a:t>
+              <a:t>23-08-2024</a:t>
             </a:fld>
             <a:endParaRPr lang="da-DK"/>
           </a:p>
@@ -1429,7 +1431,7 @@
           <a:p>
             <a:fld id="{8DF2E48B-4DCD-4B94-8BF7-6FE139A3DDCC}" type="datetimeFigureOut">
               <a:rPr lang="da-DK" smtClean="0"/>
-              <a:t>19-08-2023</a:t>
+              <a:t>23-08-2024</a:t>
             </a:fld>
             <a:endParaRPr lang="da-DK"/>
           </a:p>
@@ -1841,7 +1843,7 @@
           <a:p>
             <a:fld id="{8DF2E48B-4DCD-4B94-8BF7-6FE139A3DDCC}" type="datetimeFigureOut">
               <a:rPr lang="da-DK" smtClean="0"/>
-              <a:t>19-08-2023</a:t>
+              <a:t>23-08-2024</a:t>
             </a:fld>
             <a:endParaRPr lang="da-DK"/>
           </a:p>
@@ -1982,7 +1984,7 @@
           <a:p>
             <a:fld id="{8DF2E48B-4DCD-4B94-8BF7-6FE139A3DDCC}" type="datetimeFigureOut">
               <a:rPr lang="da-DK" smtClean="0"/>
-              <a:t>19-08-2023</a:t>
+              <a:t>23-08-2024</a:t>
             </a:fld>
             <a:endParaRPr lang="da-DK"/>
           </a:p>
@@ -2095,7 +2097,7 @@
           <a:p>
             <a:fld id="{8DF2E48B-4DCD-4B94-8BF7-6FE139A3DDCC}" type="datetimeFigureOut">
               <a:rPr lang="da-DK" smtClean="0"/>
-              <a:t>19-08-2023</a:t>
+              <a:t>23-08-2024</a:t>
             </a:fld>
             <a:endParaRPr lang="da-DK"/>
           </a:p>
@@ -2406,7 +2408,7 @@
           <a:p>
             <a:fld id="{8DF2E48B-4DCD-4B94-8BF7-6FE139A3DDCC}" type="datetimeFigureOut">
               <a:rPr lang="da-DK" smtClean="0"/>
-              <a:t>19-08-2023</a:t>
+              <a:t>23-08-2024</a:t>
             </a:fld>
             <a:endParaRPr lang="da-DK"/>
           </a:p>
@@ -2694,7 +2696,7 @@
           <a:p>
             <a:fld id="{8DF2E48B-4DCD-4B94-8BF7-6FE139A3DDCC}" type="datetimeFigureOut">
               <a:rPr lang="da-DK" smtClean="0"/>
-              <a:t>19-08-2023</a:t>
+              <a:t>23-08-2024</a:t>
             </a:fld>
             <a:endParaRPr lang="da-DK"/>
           </a:p>
@@ -2935,7 +2937,7 @@
           <a:p>
             <a:fld id="{8DF2E48B-4DCD-4B94-8BF7-6FE139A3DDCC}" type="datetimeFigureOut">
               <a:rPr lang="da-DK" smtClean="0"/>
-              <a:t>19-08-2023</a:t>
+              <a:t>23-08-2024</a:t>
             </a:fld>
             <a:endParaRPr lang="da-DK"/>
           </a:p>
@@ -6905,6 +6907,60 @@
           </a:p>
         </p:txBody>
       </p:sp>
+      <p:sp>
+        <p:nvSpPr>
+          <p:cNvPr id="5" name="Rektangel 4">
+            <a:extLst>
+              <a:ext uri="{FF2B5EF4-FFF2-40B4-BE49-F238E27FC236}">
+                <a16:creationId xmlns:a16="http://schemas.microsoft.com/office/drawing/2014/main" id="{0ECE44E7-7884-57CF-697C-935ACCB91CA7}"/>
+              </a:ext>
+            </a:extLst>
+          </p:cNvPr>
+          <p:cNvSpPr/>
+          <p:nvPr/>
+        </p:nvSpPr>
+        <p:spPr>
+          <a:xfrm>
+            <a:off x="5646832" y="1279375"/>
+            <a:ext cx="4909504" cy="2696107"/>
+          </a:xfrm>
+          <a:prstGeom prst="rect">
+            <a:avLst/>
+          </a:prstGeom>
+          <a:solidFill>
+            <a:schemeClr val="bg1"/>
+          </a:solidFill>
+          <a:ln>
+            <a:solidFill>
+              <a:schemeClr val="bg1"/>
+            </a:solidFill>
+          </a:ln>
+        </p:spPr>
+        <p:style>
+          <a:lnRef idx="2">
+            <a:schemeClr val="accent1">
+              <a:shade val="15000"/>
+            </a:schemeClr>
+          </a:lnRef>
+          <a:fillRef idx="1">
+            <a:schemeClr val="accent1"/>
+          </a:fillRef>
+          <a:effectRef idx="0">
+            <a:schemeClr val="accent1"/>
+          </a:effectRef>
+          <a:fontRef idx="minor">
+            <a:schemeClr val="lt1"/>
+          </a:fontRef>
+        </p:style>
+        <p:txBody>
+          <a:bodyPr rtlCol="0" anchor="ctr"/>
+          <a:lstStyle/>
+          <a:p>
+            <a:pPr algn="ctr"/>
+            <a:endParaRPr lang="da-DK"/>
+          </a:p>
+        </p:txBody>
+      </p:sp>
     </p:spTree>
     <p:extLst>
       <p:ext uri="{BB962C8B-B14F-4D97-AF65-F5344CB8AC3E}">
@@ -6931,6 +6987,202 @@
 </file>
 
 <file path=ppt/slides/slide15.xml><?xml version="1.0" encoding="utf-8"?>
+<p:sld xmlns:a="http://schemas.openxmlformats.org/drawingml/2006/main" xmlns:r="http://schemas.openxmlformats.org/officeDocument/2006/relationships" xmlns:p="http://schemas.openxmlformats.org/presentationml/2006/main">
+  <p:cSld>
+    <p:spTree>
+      <p:nvGrpSpPr>
+        <p:cNvPr id="1" name=""/>
+        <p:cNvGrpSpPr/>
+        <p:nvPr/>
+      </p:nvGrpSpPr>
+      <p:grpSpPr>
+        <a:xfrm>
+          <a:off x="0" y="0"/>
+          <a:ext cx="0" cy="0"/>
+          <a:chOff x="0" y="0"/>
+          <a:chExt cx="0" cy="0"/>
+        </a:xfrm>
+      </p:grpSpPr>
+      <p:sp>
+        <p:nvSpPr>
+          <p:cNvPr id="2" name="Titel 1">
+            <a:extLst>
+              <a:ext uri="{FF2B5EF4-FFF2-40B4-BE49-F238E27FC236}">
+                <a16:creationId xmlns:a16="http://schemas.microsoft.com/office/drawing/2014/main" id="{38007EFF-2A82-11A6-11C8-C1CAE9E7233A}"/>
+              </a:ext>
+            </a:extLst>
+          </p:cNvPr>
+          <p:cNvSpPr>
+            <a:spLocks noGrp="1"/>
+          </p:cNvSpPr>
+          <p:nvPr>
+            <p:ph type="title"/>
+          </p:nvPr>
+        </p:nvSpPr>
+        <p:spPr>
+          <a:xfrm>
+            <a:off x="630936" y="640823"/>
+            <a:ext cx="3419856" cy="5583148"/>
+          </a:xfrm>
+        </p:spPr>
+        <p:txBody>
+          <a:bodyPr anchor="ctr">
+            <a:normAutofit/>
+          </a:bodyPr>
+          <a:lstStyle/>
+          <a:p>
+            <a:r>
+              <a:rPr lang="da-DK" sz="5400"/>
+              <a:t>Making ends meet…</a:t>
+            </a:r>
+          </a:p>
+        </p:txBody>
+      </p:sp>
+      <p:pic>
+        <p:nvPicPr>
+          <p:cNvPr id="4" name="Picture 4">
+            <a:extLst>
+              <a:ext uri="{FF2B5EF4-FFF2-40B4-BE49-F238E27FC236}">
+                <a16:creationId xmlns:a16="http://schemas.microsoft.com/office/drawing/2014/main" id="{32DE4D0B-2CBD-2F50-2D62-C67689943CC8}"/>
+              </a:ext>
+            </a:extLst>
+          </p:cNvPr>
+          <p:cNvPicPr>
+            <a:picLocks noChangeAspect="1" noChangeArrowheads="1"/>
+          </p:cNvPicPr>
+          <p:nvPr/>
+        </p:nvPicPr>
+        <p:blipFill>
+          <a:blip r:embed="rId2">
+            <a:extLst>
+              <a:ext uri="{28A0092B-C50C-407E-A947-70E740481C1C}">
+                <a14:useLocalDpi xmlns:a14="http://schemas.microsoft.com/office/drawing/2010/main" val="0"/>
+              </a:ext>
+            </a:extLst>
+          </a:blip>
+          <a:stretch>
+            <a:fillRect/>
+          </a:stretch>
+        </p:blipFill>
+        <p:spPr bwMode="auto">
+          <a:xfrm>
+            <a:off x="4654296" y="1420621"/>
+            <a:ext cx="6894576" cy="2334261"/>
+          </a:xfrm>
+          <a:prstGeom prst="rect">
+            <a:avLst/>
+          </a:prstGeom>
+          <a:noFill/>
+          <a:extLst>
+            <a:ext uri="{909E8E84-426E-40DD-AFC4-6F175D3DCCD1}">
+              <a14:hiddenFill xmlns:a14="http://schemas.microsoft.com/office/drawing/2010/main">
+                <a:solidFill>
+                  <a:srgbClr val="FFFFFF"/>
+                </a:solidFill>
+              </a14:hiddenFill>
+            </a:ext>
+            <a:ext uri="{91240B29-F687-4F45-9708-019B960494DF}">
+              <a14:hiddenLine xmlns:a14="http://schemas.microsoft.com/office/drawing/2010/main" w="9525">
+                <a:solidFill>
+                  <a:srgbClr val="000000"/>
+                </a:solidFill>
+                <a:miter lim="800000"/>
+                <a:headEnd/>
+                <a:tailEnd/>
+              </a14:hiddenLine>
+            </a:ext>
+          </a:extLst>
+        </p:spPr>
+      </p:pic>
+      <p:sp>
+        <p:nvSpPr>
+          <p:cNvPr id="3" name="Pladsholder til indhold 2">
+            <a:extLst>
+              <a:ext uri="{FF2B5EF4-FFF2-40B4-BE49-F238E27FC236}">
+                <a16:creationId xmlns:a16="http://schemas.microsoft.com/office/drawing/2014/main" id="{24A4E439-ACE1-4492-417F-CB3372C78915}"/>
+              </a:ext>
+            </a:extLst>
+          </p:cNvPr>
+          <p:cNvSpPr>
+            <a:spLocks noGrp="1"/>
+          </p:cNvSpPr>
+          <p:nvPr>
+            <p:ph idx="1"/>
+          </p:nvPr>
+        </p:nvSpPr>
+        <p:spPr>
+          <a:xfrm>
+            <a:off x="4654296" y="4798577"/>
+            <a:ext cx="6894576" cy="1428487"/>
+          </a:xfrm>
+        </p:spPr>
+        <p:txBody>
+          <a:bodyPr anchor="t">
+            <a:normAutofit/>
+          </a:bodyPr>
+          <a:lstStyle/>
+          <a:p>
+            <a:r>
+              <a:rPr lang="da-DK" sz="2200"/>
+              <a:t>The transistor calculates a </a:t>
+            </a:r>
+            <a:r>
+              <a:rPr lang="da-DK" sz="2200" b="1"/>
+              <a:t>logical</a:t>
+            </a:r>
+            <a:r>
+              <a:rPr lang="da-DK" sz="2200"/>
+              <a:t> function…</a:t>
+            </a:r>
+          </a:p>
+          <a:p>
+            <a:r>
+              <a:rPr lang="da-DK" sz="2200"/>
+              <a:t>…but we would like to calculate an </a:t>
+            </a:r>
+            <a:r>
+              <a:rPr lang="da-DK" sz="2200" b="1"/>
+              <a:t>arithmetic</a:t>
+            </a:r>
+            <a:r>
+              <a:rPr lang="da-DK" sz="2200"/>
+              <a:t> function</a:t>
+            </a:r>
+          </a:p>
+          <a:p>
+            <a:r>
+              <a:rPr lang="da-DK" sz="2200"/>
+              <a:t>With a bit of ingenuity, we can map one to the other</a:t>
+            </a:r>
+          </a:p>
+        </p:txBody>
+      </p:sp>
+    </p:spTree>
+    <p:extLst>
+      <p:ext uri="{BB962C8B-B14F-4D97-AF65-F5344CB8AC3E}">
+        <p14:creationId xmlns:p14="http://schemas.microsoft.com/office/powerpoint/2010/main" val="1571980804"/>
+      </p:ext>
+    </p:extLst>
+  </p:cSld>
+  <p:clrMapOvr>
+    <a:masterClrMapping/>
+  </p:clrMapOvr>
+  <mc:AlternateContent xmlns:mc="http://schemas.openxmlformats.org/markup-compatibility/2006" xmlns:p14="http://schemas.microsoft.com/office/powerpoint/2010/main">
+    <mc:Choice Requires="p14">
+      <p:transition spd="med" p14:dur="700">
+        <p:fade/>
+      </p:transition>
+    </mc:Choice>
+    <mc:Fallback xmlns="">
+      <p:transition spd="med">
+        <p:fade/>
+      </p:transition>
+    </mc:Fallback>
+  </mc:AlternateContent>
+</p:sld>
+</file>
+
+<file path=ppt/slides/slide16.xml><?xml version="1.0" encoding="utf-8"?>
 <p:sld xmlns:a="http://schemas.openxmlformats.org/drawingml/2006/main" xmlns:r="http://schemas.openxmlformats.org/officeDocument/2006/relationships" xmlns:p="http://schemas.openxmlformats.org/presentationml/2006/main">
   <p:cSld>
     <p:bg>
@@ -7565,7 +7817,7 @@
 </p:sld>
 </file>
 
-<file path=ppt/slides/slide16.xml><?xml version="1.0" encoding="utf-8"?>
+<file path=ppt/slides/slide17.xml><?xml version="1.0" encoding="utf-8"?>
 <p:sld xmlns:a="http://schemas.openxmlformats.org/drawingml/2006/main" xmlns:r="http://schemas.openxmlformats.org/officeDocument/2006/relationships" xmlns:p="http://schemas.openxmlformats.org/presentationml/2006/main">
   <p:cSld>
     <p:bg>
@@ -8154,7 +8406,7 @@
 </p:sld>
 </file>
 
-<file path=ppt/slides/slide17.xml><?xml version="1.0" encoding="utf-8"?>
+<file path=ppt/slides/slide18.xml><?xml version="1.0" encoding="utf-8"?>
 <p:sld xmlns:a="http://schemas.openxmlformats.org/drawingml/2006/main" xmlns:r="http://schemas.openxmlformats.org/officeDocument/2006/relationships" xmlns:p="http://schemas.openxmlformats.org/presentationml/2006/main">
   <p:cSld>
     <p:bg>
@@ -8641,7 +8893,7 @@
             </a:r>
             <a:r>
               <a:rPr lang="da-DK" sz="2200"/>
-              <a:t>(2023)</a:t>
+              <a:t>(2024)</a:t>
             </a:r>
             <a:endParaRPr lang="da-DK" sz="2200" dirty="0"/>
           </a:p>
@@ -8724,10 +8976,10 @@
       </p:sp>
       <p:pic>
         <p:nvPicPr>
-          <p:cNvPr id="5" name="Billede 4">
+          <p:cNvPr id="6" name="Billede 5">
             <a:extLst>
               <a:ext uri="{FF2B5EF4-FFF2-40B4-BE49-F238E27FC236}">
-                <a16:creationId xmlns:a16="http://schemas.microsoft.com/office/drawing/2014/main" id="{74F4CD95-9135-9308-CA36-0ADD14270406}"/>
+                <a16:creationId xmlns:a16="http://schemas.microsoft.com/office/drawing/2014/main" id="{2F1002AF-7EFF-CC7E-68CE-FC5743C85237}"/>
               </a:ext>
             </a:extLst>
           </p:cNvPr>
@@ -8744,8 +8996,8 @@
         </p:blipFill>
         <p:spPr>
           <a:xfrm>
-            <a:off x="8242859" y="640080"/>
-            <a:ext cx="1171346" cy="5577840"/>
+            <a:off x="9752599" y="278296"/>
+            <a:ext cx="1253133" cy="5987774"/>
           </a:xfrm>
           <a:prstGeom prst="rect">
             <a:avLst/>
@@ -8777,7 +9029,7 @@
 </p:sld>
 </file>
 
-<file path=ppt/slides/slide18.xml><?xml version="1.0" encoding="utf-8"?>
+<file path=ppt/slides/slide19.xml><?xml version="1.0" encoding="utf-8"?>
 <p:sld xmlns:a="http://schemas.openxmlformats.org/drawingml/2006/main" xmlns:r="http://schemas.openxmlformats.org/officeDocument/2006/relationships" xmlns:p="http://schemas.openxmlformats.org/presentationml/2006/main">
   <p:cSld>
     <p:bg>
@@ -9475,7 +9727,536 @@
 </p:sld>
 </file>
 
-<file path=ppt/slides/slide19.xml><?xml version="1.0" encoding="utf-8"?>
+<file path=ppt/slides/slide2.xml><?xml version="1.0" encoding="utf-8"?>
+<p:sld xmlns:a="http://schemas.openxmlformats.org/drawingml/2006/main" xmlns:r="http://schemas.openxmlformats.org/officeDocument/2006/relationships" xmlns:p="http://schemas.openxmlformats.org/presentationml/2006/main">
+  <p:cSld>
+    <p:bg>
+      <p:bgPr>
+        <a:solidFill>
+          <a:schemeClr val="bg1"/>
+        </a:solidFill>
+        <a:effectLst/>
+      </p:bgPr>
+    </p:bg>
+    <p:spTree>
+      <p:nvGrpSpPr>
+        <p:cNvPr id="1" name=""/>
+        <p:cNvGrpSpPr/>
+        <p:nvPr/>
+      </p:nvGrpSpPr>
+      <p:grpSpPr>
+        <a:xfrm>
+          <a:off x="0" y="0"/>
+          <a:ext cx="0" cy="0"/>
+          <a:chOff x="0" y="0"/>
+          <a:chExt cx="0" cy="0"/>
+        </a:xfrm>
+      </p:grpSpPr>
+      <p:sp useBgFill="1">
+        <p:nvSpPr>
+          <p:cNvPr id="9" name="Rectangle 8">
+            <a:extLst>
+              <a:ext uri="{FF2B5EF4-FFF2-40B4-BE49-F238E27FC236}">
+                <a16:creationId xmlns:a16="http://schemas.microsoft.com/office/drawing/2014/main" id="{743AA782-23D1-4521-8CAD-47662984AA08}"/>
+              </a:ext>
+              <a:ext uri="{C183D7F6-B498-43B3-948B-1728B52AA6E4}">
+                <adec:decorative xmlns:adec="http://schemas.microsoft.com/office/drawing/2017/decorative" val="1"/>
+              </a:ext>
+            </a:extLst>
+          </p:cNvPr>
+          <p:cNvSpPr>
+            <a:spLocks noGrp="1" noRot="1" noChangeAspect="1" noMove="1" noResize="1" noEditPoints="1" noAdjustHandles="1" noChangeArrowheads="1" noChangeShapeType="1" noTextEdit="1"/>
+          </p:cNvSpPr>
+          <p:nvPr>
+            <p:extLst>
+              <p:ext uri="{386F3935-93C4-4BCD-93E2-E3B085C9AB24}">
+                <p16:designElem xmlns:p16="http://schemas.microsoft.com/office/powerpoint/2015/main" val="1"/>
+              </p:ext>
+            </p:extLst>
+          </p:nvPr>
+        </p:nvSpPr>
+        <p:spPr>
+          <a:xfrm>
+            <a:off x="0" y="0"/>
+            <a:ext cx="12192000" cy="6858000"/>
+          </a:xfrm>
+          <a:prstGeom prst="rect">
+            <a:avLst/>
+          </a:prstGeom>
+          <a:ln>
+            <a:noFill/>
+          </a:ln>
+        </p:spPr>
+        <p:style>
+          <a:lnRef idx="2">
+            <a:schemeClr val="accent1">
+              <a:shade val="50000"/>
+            </a:schemeClr>
+          </a:lnRef>
+          <a:fillRef idx="1">
+            <a:schemeClr val="accent1"/>
+          </a:fillRef>
+          <a:effectRef idx="0">
+            <a:schemeClr val="accent1"/>
+          </a:effectRef>
+          <a:fontRef idx="minor">
+            <a:schemeClr val="lt1"/>
+          </a:fontRef>
+        </p:style>
+        <p:txBody>
+          <a:bodyPr rtlCol="0" anchor="ctr"/>
+          <a:lstStyle/>
+          <a:p>
+            <a:pPr algn="ctr"/>
+            <a:endParaRPr lang="en-US"/>
+          </a:p>
+        </p:txBody>
+      </p:sp>
+      <p:sp>
+        <p:nvSpPr>
+          <p:cNvPr id="2" name="Titel 1">
+            <a:extLst>
+              <a:ext uri="{FF2B5EF4-FFF2-40B4-BE49-F238E27FC236}">
+                <a16:creationId xmlns:a16="http://schemas.microsoft.com/office/drawing/2014/main" id="{7E10F2F9-5918-835E-D986-6BB3F1C55F05}"/>
+              </a:ext>
+            </a:extLst>
+          </p:cNvPr>
+          <p:cNvSpPr>
+            <a:spLocks noGrp="1"/>
+          </p:cNvSpPr>
+          <p:nvPr>
+            <p:ph type="title"/>
+          </p:nvPr>
+        </p:nvSpPr>
+        <p:spPr>
+          <a:xfrm>
+            <a:off x="630936" y="640080"/>
+            <a:ext cx="4818888" cy="1481328"/>
+          </a:xfrm>
+        </p:spPr>
+        <p:txBody>
+          <a:bodyPr anchor="b">
+            <a:normAutofit/>
+          </a:bodyPr>
+          <a:lstStyle/>
+          <a:p>
+            <a:r>
+              <a:rPr lang="da-DK" sz="5400"/>
+              <a:t>Definition</a:t>
+            </a:r>
+          </a:p>
+        </p:txBody>
+      </p:sp>
+      <p:sp>
+        <p:nvSpPr>
+          <p:cNvPr id="11" name="sketch line">
+            <a:extLst>
+              <a:ext uri="{FF2B5EF4-FFF2-40B4-BE49-F238E27FC236}">
+                <a16:creationId xmlns:a16="http://schemas.microsoft.com/office/drawing/2014/main" id="{71877DBC-BB60-40F0-AC93-2ACDBAAE60CE}"/>
+              </a:ext>
+              <a:ext uri="{C183D7F6-B498-43B3-948B-1728B52AA6E4}">
+                <adec:decorative xmlns:adec="http://schemas.microsoft.com/office/drawing/2017/decorative" val="1"/>
+              </a:ext>
+            </a:extLst>
+          </p:cNvPr>
+          <p:cNvSpPr>
+            <a:spLocks noGrp="1" noRot="1" noChangeAspect="1" noMove="1" noResize="1" noEditPoints="1" noAdjustHandles="1" noChangeArrowheads="1" noChangeShapeType="1" noTextEdit="1"/>
+          </p:cNvSpPr>
+          <p:nvPr>
+            <p:extLst>
+              <p:ext uri="{386F3935-93C4-4BCD-93E2-E3B085C9AB24}">
+                <p16:designElem xmlns:p16="http://schemas.microsoft.com/office/powerpoint/2015/main" val="1"/>
+              </p:ext>
+            </p:extLst>
+          </p:nvPr>
+        </p:nvSpPr>
+        <p:spPr>
+          <a:xfrm>
+            <a:off x="643278" y="2372868"/>
+            <a:ext cx="3255095" cy="18288"/>
+          </a:xfrm>
+          <a:custGeom>
+            <a:avLst/>
+            <a:gdLst>
+              <a:gd name="connsiteX0" fmla="*/ 0 w 3255095"/>
+              <a:gd name="connsiteY0" fmla="*/ 0 h 18288"/>
+              <a:gd name="connsiteX1" fmla="*/ 618468 w 3255095"/>
+              <a:gd name="connsiteY1" fmla="*/ 0 h 18288"/>
+              <a:gd name="connsiteX2" fmla="*/ 1269487 w 3255095"/>
+              <a:gd name="connsiteY2" fmla="*/ 0 h 18288"/>
+              <a:gd name="connsiteX3" fmla="*/ 1953057 w 3255095"/>
+              <a:gd name="connsiteY3" fmla="*/ 0 h 18288"/>
+              <a:gd name="connsiteX4" fmla="*/ 2636627 w 3255095"/>
+              <a:gd name="connsiteY4" fmla="*/ 0 h 18288"/>
+              <a:gd name="connsiteX5" fmla="*/ 3255095 w 3255095"/>
+              <a:gd name="connsiteY5" fmla="*/ 0 h 18288"/>
+              <a:gd name="connsiteX6" fmla="*/ 3255095 w 3255095"/>
+              <a:gd name="connsiteY6" fmla="*/ 18288 h 18288"/>
+              <a:gd name="connsiteX7" fmla="*/ 2538974 w 3255095"/>
+              <a:gd name="connsiteY7" fmla="*/ 18288 h 18288"/>
+              <a:gd name="connsiteX8" fmla="*/ 1822853 w 3255095"/>
+              <a:gd name="connsiteY8" fmla="*/ 18288 h 18288"/>
+              <a:gd name="connsiteX9" fmla="*/ 1171834 w 3255095"/>
+              <a:gd name="connsiteY9" fmla="*/ 18288 h 18288"/>
+              <a:gd name="connsiteX10" fmla="*/ 0 w 3255095"/>
+              <a:gd name="connsiteY10" fmla="*/ 18288 h 18288"/>
+              <a:gd name="connsiteX11" fmla="*/ 0 w 3255095"/>
+              <a:gd name="connsiteY11" fmla="*/ 0 h 18288"/>
+            </a:gdLst>
+            <a:ahLst/>
+            <a:cxnLst>
+              <a:cxn ang="0">
+                <a:pos x="connsiteX0" y="connsiteY0"/>
+              </a:cxn>
+              <a:cxn ang="0">
+                <a:pos x="connsiteX1" y="connsiteY1"/>
+              </a:cxn>
+              <a:cxn ang="0">
+                <a:pos x="connsiteX2" y="connsiteY2"/>
+              </a:cxn>
+              <a:cxn ang="0">
+                <a:pos x="connsiteX3" y="connsiteY3"/>
+              </a:cxn>
+              <a:cxn ang="0">
+                <a:pos x="connsiteX4" y="connsiteY4"/>
+              </a:cxn>
+              <a:cxn ang="0">
+                <a:pos x="connsiteX5" y="connsiteY5"/>
+              </a:cxn>
+              <a:cxn ang="0">
+                <a:pos x="connsiteX6" y="connsiteY6"/>
+              </a:cxn>
+              <a:cxn ang="0">
+                <a:pos x="connsiteX7" y="connsiteY7"/>
+              </a:cxn>
+              <a:cxn ang="0">
+                <a:pos x="connsiteX8" y="connsiteY8"/>
+              </a:cxn>
+              <a:cxn ang="0">
+                <a:pos x="connsiteX9" y="connsiteY9"/>
+              </a:cxn>
+              <a:cxn ang="0">
+                <a:pos x="connsiteX10" y="connsiteY10"/>
+              </a:cxn>
+              <a:cxn ang="0">
+                <a:pos x="connsiteX11" y="connsiteY11"/>
+              </a:cxn>
+            </a:cxnLst>
+            <a:rect l="l" t="t" r="r" b="b"/>
+            <a:pathLst>
+              <a:path w="3255095" h="18288" fill="none" extrusionOk="0">
+                <a:moveTo>
+                  <a:pt x="0" y="0"/>
+                </a:moveTo>
+                <a:cubicBezTo>
+                  <a:pt x="240201" y="-22123"/>
+                  <a:pt x="462021" y="-19623"/>
+                  <a:pt x="618468" y="0"/>
+                </a:cubicBezTo>
+                <a:cubicBezTo>
+                  <a:pt x="774915" y="19623"/>
+                  <a:pt x="974734" y="2035"/>
+                  <a:pt x="1269487" y="0"/>
+                </a:cubicBezTo>
+                <a:cubicBezTo>
+                  <a:pt x="1564240" y="-2035"/>
+                  <a:pt x="1733579" y="10639"/>
+                  <a:pt x="1953057" y="0"/>
+                </a:cubicBezTo>
+                <a:cubicBezTo>
+                  <a:pt x="2172535" y="-10639"/>
+                  <a:pt x="2453962" y="14018"/>
+                  <a:pt x="2636627" y="0"/>
+                </a:cubicBezTo>
+                <a:cubicBezTo>
+                  <a:pt x="2819292" y="-14018"/>
+                  <a:pt x="3121375" y="5399"/>
+                  <a:pt x="3255095" y="0"/>
+                </a:cubicBezTo>
+                <a:cubicBezTo>
+                  <a:pt x="3254386" y="8157"/>
+                  <a:pt x="3254682" y="12125"/>
+                  <a:pt x="3255095" y="18288"/>
+                </a:cubicBezTo>
+                <a:cubicBezTo>
+                  <a:pt x="3088545" y="23203"/>
+                  <a:pt x="2687475" y="7419"/>
+                  <a:pt x="2538974" y="18288"/>
+                </a:cubicBezTo>
+                <a:cubicBezTo>
+                  <a:pt x="2390473" y="29157"/>
+                  <a:pt x="2137381" y="-8959"/>
+                  <a:pt x="1822853" y="18288"/>
+                </a:cubicBezTo>
+                <a:cubicBezTo>
+                  <a:pt x="1508325" y="45535"/>
+                  <a:pt x="1466437" y="20385"/>
+                  <a:pt x="1171834" y="18288"/>
+                </a:cubicBezTo>
+                <a:cubicBezTo>
+                  <a:pt x="877231" y="16191"/>
+                  <a:pt x="561097" y="37643"/>
+                  <a:pt x="0" y="18288"/>
+                </a:cubicBezTo>
+                <a:cubicBezTo>
+                  <a:pt x="-46" y="12483"/>
+                  <a:pt x="-203" y="6491"/>
+                  <a:pt x="0" y="0"/>
+                </a:cubicBezTo>
+                <a:close/>
+              </a:path>
+              <a:path w="3255095" h="18288" stroke="0" extrusionOk="0">
+                <a:moveTo>
+                  <a:pt x="0" y="0"/>
+                </a:moveTo>
+                <a:cubicBezTo>
+                  <a:pt x="291965" y="19429"/>
+                  <a:pt x="363155" y="8568"/>
+                  <a:pt x="618468" y="0"/>
+                </a:cubicBezTo>
+                <a:cubicBezTo>
+                  <a:pt x="873781" y="-8568"/>
+                  <a:pt x="904459" y="-19505"/>
+                  <a:pt x="1171834" y="0"/>
+                </a:cubicBezTo>
+                <a:cubicBezTo>
+                  <a:pt x="1439209" y="19505"/>
+                  <a:pt x="1744369" y="9790"/>
+                  <a:pt x="1887955" y="0"/>
+                </a:cubicBezTo>
+                <a:cubicBezTo>
+                  <a:pt x="2031541" y="-9790"/>
+                  <a:pt x="2346378" y="21240"/>
+                  <a:pt x="2506423" y="0"/>
+                </a:cubicBezTo>
+                <a:cubicBezTo>
+                  <a:pt x="2666468" y="-21240"/>
+                  <a:pt x="2990257" y="30414"/>
+                  <a:pt x="3255095" y="0"/>
+                </a:cubicBezTo>
+                <a:cubicBezTo>
+                  <a:pt x="3254831" y="4493"/>
+                  <a:pt x="3255479" y="9472"/>
+                  <a:pt x="3255095" y="18288"/>
+                </a:cubicBezTo>
+                <a:cubicBezTo>
+                  <a:pt x="3120743" y="16690"/>
+                  <a:pt x="2759628" y="42462"/>
+                  <a:pt x="2604076" y="18288"/>
+                </a:cubicBezTo>
+                <a:cubicBezTo>
+                  <a:pt x="2448524" y="-5886"/>
+                  <a:pt x="2184336" y="19599"/>
+                  <a:pt x="1887955" y="18288"/>
+                </a:cubicBezTo>
+                <a:cubicBezTo>
+                  <a:pt x="1591574" y="16977"/>
+                  <a:pt x="1548845" y="6870"/>
+                  <a:pt x="1334589" y="18288"/>
+                </a:cubicBezTo>
+                <a:cubicBezTo>
+                  <a:pt x="1120333" y="29706"/>
+                  <a:pt x="996014" y="9662"/>
+                  <a:pt x="683570" y="18288"/>
+                </a:cubicBezTo>
+                <a:cubicBezTo>
+                  <a:pt x="371126" y="26914"/>
+                  <a:pt x="198687" y="16167"/>
+                  <a:pt x="0" y="18288"/>
+                </a:cubicBezTo>
+                <a:cubicBezTo>
+                  <a:pt x="843" y="9577"/>
+                  <a:pt x="371" y="6900"/>
+                  <a:pt x="0" y="0"/>
+                </a:cubicBezTo>
+                <a:close/>
+              </a:path>
+            </a:pathLst>
+          </a:custGeom>
+          <a:solidFill>
+            <a:schemeClr val="accent2"/>
+          </a:solidFill>
+          <a:ln w="38100" cap="rnd">
+            <a:solidFill>
+              <a:schemeClr val="accent2"/>
+            </a:solidFill>
+            <a:round/>
+            <a:extLst>
+              <a:ext uri="{C807C97D-BFC1-408E-A445-0C87EB9F89A2}">
+                <ask:lineSketchStyleProps xmlns:ask="http://schemas.microsoft.com/office/drawing/2018/sketchyshapes" sd="1219033472">
+                  <a:prstGeom prst="rect">
+                    <a:avLst/>
+                  </a:prstGeom>
+                  <ask:type>
+                    <ask:lineSketchFreehand/>
+                  </ask:type>
+                </ask:lineSketchStyleProps>
+              </a:ext>
+            </a:extLst>
+          </a:ln>
+        </p:spPr>
+        <p:style>
+          <a:lnRef idx="2">
+            <a:schemeClr val="accent1">
+              <a:shade val="50000"/>
+            </a:schemeClr>
+          </a:lnRef>
+          <a:fillRef idx="1">
+            <a:schemeClr val="accent1"/>
+          </a:fillRef>
+          <a:effectRef idx="0">
+            <a:schemeClr val="accent1"/>
+          </a:effectRef>
+          <a:fontRef idx="minor">
+            <a:schemeClr val="lt1"/>
+          </a:fontRef>
+        </p:style>
+        <p:txBody>
+          <a:bodyPr rtlCol="0" anchor="ctr"/>
+          <a:lstStyle/>
+          <a:p>
+            <a:pPr algn="ctr"/>
+            <a:endParaRPr lang="en-US"/>
+          </a:p>
+        </p:txBody>
+      </p:sp>
+      <p:sp>
+        <p:nvSpPr>
+          <p:cNvPr id="3" name="Pladsholder til indhold 2">
+            <a:extLst>
+              <a:ext uri="{FF2B5EF4-FFF2-40B4-BE49-F238E27FC236}">
+                <a16:creationId xmlns:a16="http://schemas.microsoft.com/office/drawing/2014/main" id="{1AD8BF0D-95CD-A026-280C-E3281C6899BC}"/>
+              </a:ext>
+            </a:extLst>
+          </p:cNvPr>
+          <p:cNvSpPr>
+            <a:spLocks noGrp="1"/>
+          </p:cNvSpPr>
+          <p:nvPr>
+            <p:ph idx="1"/>
+          </p:nvPr>
+        </p:nvSpPr>
+        <p:spPr>
+          <a:xfrm>
+            <a:off x="630936" y="2660904"/>
+            <a:ext cx="4818888" cy="3547872"/>
+          </a:xfrm>
+        </p:spPr>
+        <p:txBody>
+          <a:bodyPr anchor="t">
+            <a:normAutofit/>
+          </a:bodyPr>
+          <a:lstStyle/>
+          <a:p>
+            <a:r>
+              <a:rPr lang="da-DK" sz="2200"/>
+              <a:t>Physical components in an electronic computer</a:t>
+            </a:r>
+          </a:p>
+          <a:p>
+            <a:r>
+              <a:rPr lang="da-DK" sz="2200"/>
+              <a:t>Processor (CPU)</a:t>
+            </a:r>
+          </a:p>
+          <a:p>
+            <a:r>
+              <a:rPr lang="da-DK" sz="2200"/>
+              <a:t>Memory (RAM)</a:t>
+            </a:r>
+          </a:p>
+          <a:p>
+            <a:r>
+              <a:rPr lang="da-DK" sz="2200"/>
+              <a:t>Permanent storage (HDD, SSD, …)</a:t>
+            </a:r>
+          </a:p>
+          <a:p>
+            <a:r>
+              <a:rPr lang="da-DK" sz="2200"/>
+              <a:t>Input/Output devices (Monitor, Keyboard, Mouse, Camera…)</a:t>
+            </a:r>
+          </a:p>
+          <a:p>
+            <a:r>
+              <a:rPr lang="da-DK" sz="2200"/>
+              <a:t>…more exotic devices (3D printers, VR/AR, …)</a:t>
+            </a:r>
+          </a:p>
+        </p:txBody>
+      </p:sp>
+      <p:pic>
+        <p:nvPicPr>
+          <p:cNvPr id="4" name="Picture 2" descr="Billedresultat for hardware">
+            <a:extLst>
+              <a:ext uri="{FF2B5EF4-FFF2-40B4-BE49-F238E27FC236}">
+                <a16:creationId xmlns:a16="http://schemas.microsoft.com/office/drawing/2014/main" id="{B558DE07-538B-6528-E898-F486ABA099C4}"/>
+              </a:ext>
+            </a:extLst>
+          </p:cNvPr>
+          <p:cNvPicPr>
+            <a:picLocks noChangeAspect="1" noChangeArrowheads="1"/>
+          </p:cNvPicPr>
+          <p:nvPr/>
+        </p:nvPicPr>
+        <p:blipFill>
+          <a:blip r:embed="rId2">
+            <a:extLst>
+              <a:ext uri="{28A0092B-C50C-407E-A947-70E740481C1C}">
+                <a14:useLocalDpi xmlns:a14="http://schemas.microsoft.com/office/drawing/2010/main" val="0"/>
+              </a:ext>
+            </a:extLst>
+          </a:blip>
+          <a:stretch>
+            <a:fillRect/>
+          </a:stretch>
+        </p:blipFill>
+        <p:spPr bwMode="auto">
+          <a:xfrm>
+            <a:off x="6099048" y="1893665"/>
+            <a:ext cx="5458968" cy="3070669"/>
+          </a:xfrm>
+          <a:prstGeom prst="rect">
+            <a:avLst/>
+          </a:prstGeom>
+          <a:noFill/>
+          <a:extLst>
+            <a:ext uri="{909E8E84-426E-40DD-AFC4-6F175D3DCCD1}">
+              <a14:hiddenFill xmlns:a14="http://schemas.microsoft.com/office/drawing/2010/main">
+                <a:solidFill>
+                  <a:srgbClr val="FFFFFF"/>
+                </a:solidFill>
+              </a14:hiddenFill>
+            </a:ext>
+          </a:extLst>
+        </p:spPr>
+      </p:pic>
+    </p:spTree>
+    <p:extLst>
+      <p:ext uri="{BB962C8B-B14F-4D97-AF65-F5344CB8AC3E}">
+        <p14:creationId xmlns:p14="http://schemas.microsoft.com/office/powerpoint/2010/main" val="266905530"/>
+      </p:ext>
+    </p:extLst>
+  </p:cSld>
+  <p:clrMapOvr>
+    <a:masterClrMapping/>
+  </p:clrMapOvr>
+  <mc:AlternateContent xmlns:mc="http://schemas.openxmlformats.org/markup-compatibility/2006" xmlns:p14="http://schemas.microsoft.com/office/powerpoint/2010/main">
+    <mc:Choice Requires="p14">
+      <p:transition spd="med" p14:dur="700">
+        <p:fade/>
+      </p:transition>
+    </mc:Choice>
+    <mc:Fallback xmlns="">
+      <p:transition spd="med">
+        <p:fade/>
+      </p:transition>
+    </mc:Fallback>
+  </mc:AlternateContent>
+</p:sld>
+</file>
+
+<file path=ppt/slides/slide20.xml><?xml version="1.0" encoding="utf-8"?>
 <p:sld xmlns:a="http://schemas.openxmlformats.org/drawingml/2006/main" xmlns:r="http://schemas.openxmlformats.org/officeDocument/2006/relationships" xmlns:p="http://schemas.openxmlformats.org/presentationml/2006/main">
   <p:cSld>
     <p:spTree>
@@ -9540,7 +10321,7 @@
           <p:nvPr>
             <p:extLst>
               <p:ext uri="{D42A27DB-BD31-4B8C-83A1-F6EECF244321}">
-                <p14:modId xmlns:p14="http://schemas.microsoft.com/office/powerpoint/2010/main" val="2570171503"/>
+                <p14:modId xmlns:p14="http://schemas.microsoft.com/office/powerpoint/2010/main" val="1133524503"/>
               </p:ext>
             </p:extLst>
           </p:nvPr>
@@ -9923,13 +10704,18 @@
                     <a:lstStyle/>
                     <a:p>
                       <a:r>
-                        <a:rPr lang="da-DK" sz="2400" b="0" dirty="0">
+                        <a:rPr lang="da-DK" sz="2400" b="0">
                           <a:solidFill>
                             <a:schemeClr val="tx1"/>
                           </a:solidFill>
                         </a:rPr>
-                        <a:t>Dag</a:t>
+                        <a:t>Day</a:t>
                       </a:r>
+                      <a:endParaRPr lang="da-DK" sz="2400" b="0" dirty="0">
+                        <a:solidFill>
+                          <a:schemeClr val="tx1"/>
+                        </a:solidFill>
+                      </a:endParaRPr>
                     </a:p>
                   </a:txBody>
                   <a:tcPr/>
@@ -10351,536 +11137,7 @@
 </p:sld>
 </file>
 
-<file path=ppt/slides/slide2.xml><?xml version="1.0" encoding="utf-8"?>
-<p:sld xmlns:a="http://schemas.openxmlformats.org/drawingml/2006/main" xmlns:r="http://schemas.openxmlformats.org/officeDocument/2006/relationships" xmlns:p="http://schemas.openxmlformats.org/presentationml/2006/main">
-  <p:cSld>
-    <p:bg>
-      <p:bgPr>
-        <a:solidFill>
-          <a:schemeClr val="bg1"/>
-        </a:solidFill>
-        <a:effectLst/>
-      </p:bgPr>
-    </p:bg>
-    <p:spTree>
-      <p:nvGrpSpPr>
-        <p:cNvPr id="1" name=""/>
-        <p:cNvGrpSpPr/>
-        <p:nvPr/>
-      </p:nvGrpSpPr>
-      <p:grpSpPr>
-        <a:xfrm>
-          <a:off x="0" y="0"/>
-          <a:ext cx="0" cy="0"/>
-          <a:chOff x="0" y="0"/>
-          <a:chExt cx="0" cy="0"/>
-        </a:xfrm>
-      </p:grpSpPr>
-      <p:sp useBgFill="1">
-        <p:nvSpPr>
-          <p:cNvPr id="9" name="Rectangle 8">
-            <a:extLst>
-              <a:ext uri="{FF2B5EF4-FFF2-40B4-BE49-F238E27FC236}">
-                <a16:creationId xmlns:a16="http://schemas.microsoft.com/office/drawing/2014/main" id="{743AA782-23D1-4521-8CAD-47662984AA08}"/>
-              </a:ext>
-              <a:ext uri="{C183D7F6-B498-43B3-948B-1728B52AA6E4}">
-                <adec:decorative xmlns:adec="http://schemas.microsoft.com/office/drawing/2017/decorative" val="1"/>
-              </a:ext>
-            </a:extLst>
-          </p:cNvPr>
-          <p:cNvSpPr>
-            <a:spLocks noGrp="1" noRot="1" noChangeAspect="1" noMove="1" noResize="1" noEditPoints="1" noAdjustHandles="1" noChangeArrowheads="1" noChangeShapeType="1" noTextEdit="1"/>
-          </p:cNvSpPr>
-          <p:nvPr>
-            <p:extLst>
-              <p:ext uri="{386F3935-93C4-4BCD-93E2-E3B085C9AB24}">
-                <p16:designElem xmlns:p16="http://schemas.microsoft.com/office/powerpoint/2015/main" val="1"/>
-              </p:ext>
-            </p:extLst>
-          </p:nvPr>
-        </p:nvSpPr>
-        <p:spPr>
-          <a:xfrm>
-            <a:off x="0" y="0"/>
-            <a:ext cx="12192000" cy="6858000"/>
-          </a:xfrm>
-          <a:prstGeom prst="rect">
-            <a:avLst/>
-          </a:prstGeom>
-          <a:ln>
-            <a:noFill/>
-          </a:ln>
-        </p:spPr>
-        <p:style>
-          <a:lnRef idx="2">
-            <a:schemeClr val="accent1">
-              <a:shade val="50000"/>
-            </a:schemeClr>
-          </a:lnRef>
-          <a:fillRef idx="1">
-            <a:schemeClr val="accent1"/>
-          </a:fillRef>
-          <a:effectRef idx="0">
-            <a:schemeClr val="accent1"/>
-          </a:effectRef>
-          <a:fontRef idx="minor">
-            <a:schemeClr val="lt1"/>
-          </a:fontRef>
-        </p:style>
-        <p:txBody>
-          <a:bodyPr rtlCol="0" anchor="ctr"/>
-          <a:lstStyle/>
-          <a:p>
-            <a:pPr algn="ctr"/>
-            <a:endParaRPr lang="en-US"/>
-          </a:p>
-        </p:txBody>
-      </p:sp>
-      <p:sp>
-        <p:nvSpPr>
-          <p:cNvPr id="2" name="Titel 1">
-            <a:extLst>
-              <a:ext uri="{FF2B5EF4-FFF2-40B4-BE49-F238E27FC236}">
-                <a16:creationId xmlns:a16="http://schemas.microsoft.com/office/drawing/2014/main" id="{7E10F2F9-5918-835E-D986-6BB3F1C55F05}"/>
-              </a:ext>
-            </a:extLst>
-          </p:cNvPr>
-          <p:cNvSpPr>
-            <a:spLocks noGrp="1"/>
-          </p:cNvSpPr>
-          <p:nvPr>
-            <p:ph type="title"/>
-          </p:nvPr>
-        </p:nvSpPr>
-        <p:spPr>
-          <a:xfrm>
-            <a:off x="630936" y="640080"/>
-            <a:ext cx="4818888" cy="1481328"/>
-          </a:xfrm>
-        </p:spPr>
-        <p:txBody>
-          <a:bodyPr anchor="b">
-            <a:normAutofit/>
-          </a:bodyPr>
-          <a:lstStyle/>
-          <a:p>
-            <a:r>
-              <a:rPr lang="da-DK" sz="5400"/>
-              <a:t>Definition</a:t>
-            </a:r>
-          </a:p>
-        </p:txBody>
-      </p:sp>
-      <p:sp>
-        <p:nvSpPr>
-          <p:cNvPr id="11" name="sketch line">
-            <a:extLst>
-              <a:ext uri="{FF2B5EF4-FFF2-40B4-BE49-F238E27FC236}">
-                <a16:creationId xmlns:a16="http://schemas.microsoft.com/office/drawing/2014/main" id="{71877DBC-BB60-40F0-AC93-2ACDBAAE60CE}"/>
-              </a:ext>
-              <a:ext uri="{C183D7F6-B498-43B3-948B-1728B52AA6E4}">
-                <adec:decorative xmlns:adec="http://schemas.microsoft.com/office/drawing/2017/decorative" val="1"/>
-              </a:ext>
-            </a:extLst>
-          </p:cNvPr>
-          <p:cNvSpPr>
-            <a:spLocks noGrp="1" noRot="1" noChangeAspect="1" noMove="1" noResize="1" noEditPoints="1" noAdjustHandles="1" noChangeArrowheads="1" noChangeShapeType="1" noTextEdit="1"/>
-          </p:cNvSpPr>
-          <p:nvPr>
-            <p:extLst>
-              <p:ext uri="{386F3935-93C4-4BCD-93E2-E3B085C9AB24}">
-                <p16:designElem xmlns:p16="http://schemas.microsoft.com/office/powerpoint/2015/main" val="1"/>
-              </p:ext>
-            </p:extLst>
-          </p:nvPr>
-        </p:nvSpPr>
-        <p:spPr>
-          <a:xfrm>
-            <a:off x="643278" y="2372868"/>
-            <a:ext cx="3255095" cy="18288"/>
-          </a:xfrm>
-          <a:custGeom>
-            <a:avLst/>
-            <a:gdLst>
-              <a:gd name="connsiteX0" fmla="*/ 0 w 3255095"/>
-              <a:gd name="connsiteY0" fmla="*/ 0 h 18288"/>
-              <a:gd name="connsiteX1" fmla="*/ 618468 w 3255095"/>
-              <a:gd name="connsiteY1" fmla="*/ 0 h 18288"/>
-              <a:gd name="connsiteX2" fmla="*/ 1269487 w 3255095"/>
-              <a:gd name="connsiteY2" fmla="*/ 0 h 18288"/>
-              <a:gd name="connsiteX3" fmla="*/ 1953057 w 3255095"/>
-              <a:gd name="connsiteY3" fmla="*/ 0 h 18288"/>
-              <a:gd name="connsiteX4" fmla="*/ 2636627 w 3255095"/>
-              <a:gd name="connsiteY4" fmla="*/ 0 h 18288"/>
-              <a:gd name="connsiteX5" fmla="*/ 3255095 w 3255095"/>
-              <a:gd name="connsiteY5" fmla="*/ 0 h 18288"/>
-              <a:gd name="connsiteX6" fmla="*/ 3255095 w 3255095"/>
-              <a:gd name="connsiteY6" fmla="*/ 18288 h 18288"/>
-              <a:gd name="connsiteX7" fmla="*/ 2538974 w 3255095"/>
-              <a:gd name="connsiteY7" fmla="*/ 18288 h 18288"/>
-              <a:gd name="connsiteX8" fmla="*/ 1822853 w 3255095"/>
-              <a:gd name="connsiteY8" fmla="*/ 18288 h 18288"/>
-              <a:gd name="connsiteX9" fmla="*/ 1171834 w 3255095"/>
-              <a:gd name="connsiteY9" fmla="*/ 18288 h 18288"/>
-              <a:gd name="connsiteX10" fmla="*/ 0 w 3255095"/>
-              <a:gd name="connsiteY10" fmla="*/ 18288 h 18288"/>
-              <a:gd name="connsiteX11" fmla="*/ 0 w 3255095"/>
-              <a:gd name="connsiteY11" fmla="*/ 0 h 18288"/>
-            </a:gdLst>
-            <a:ahLst/>
-            <a:cxnLst>
-              <a:cxn ang="0">
-                <a:pos x="connsiteX0" y="connsiteY0"/>
-              </a:cxn>
-              <a:cxn ang="0">
-                <a:pos x="connsiteX1" y="connsiteY1"/>
-              </a:cxn>
-              <a:cxn ang="0">
-                <a:pos x="connsiteX2" y="connsiteY2"/>
-              </a:cxn>
-              <a:cxn ang="0">
-                <a:pos x="connsiteX3" y="connsiteY3"/>
-              </a:cxn>
-              <a:cxn ang="0">
-                <a:pos x="connsiteX4" y="connsiteY4"/>
-              </a:cxn>
-              <a:cxn ang="0">
-                <a:pos x="connsiteX5" y="connsiteY5"/>
-              </a:cxn>
-              <a:cxn ang="0">
-                <a:pos x="connsiteX6" y="connsiteY6"/>
-              </a:cxn>
-              <a:cxn ang="0">
-                <a:pos x="connsiteX7" y="connsiteY7"/>
-              </a:cxn>
-              <a:cxn ang="0">
-                <a:pos x="connsiteX8" y="connsiteY8"/>
-              </a:cxn>
-              <a:cxn ang="0">
-                <a:pos x="connsiteX9" y="connsiteY9"/>
-              </a:cxn>
-              <a:cxn ang="0">
-                <a:pos x="connsiteX10" y="connsiteY10"/>
-              </a:cxn>
-              <a:cxn ang="0">
-                <a:pos x="connsiteX11" y="connsiteY11"/>
-              </a:cxn>
-            </a:cxnLst>
-            <a:rect l="l" t="t" r="r" b="b"/>
-            <a:pathLst>
-              <a:path w="3255095" h="18288" fill="none" extrusionOk="0">
-                <a:moveTo>
-                  <a:pt x="0" y="0"/>
-                </a:moveTo>
-                <a:cubicBezTo>
-                  <a:pt x="240201" y="-22123"/>
-                  <a:pt x="462021" y="-19623"/>
-                  <a:pt x="618468" y="0"/>
-                </a:cubicBezTo>
-                <a:cubicBezTo>
-                  <a:pt x="774915" y="19623"/>
-                  <a:pt x="974734" y="2035"/>
-                  <a:pt x="1269487" y="0"/>
-                </a:cubicBezTo>
-                <a:cubicBezTo>
-                  <a:pt x="1564240" y="-2035"/>
-                  <a:pt x="1733579" y="10639"/>
-                  <a:pt x="1953057" y="0"/>
-                </a:cubicBezTo>
-                <a:cubicBezTo>
-                  <a:pt x="2172535" y="-10639"/>
-                  <a:pt x="2453962" y="14018"/>
-                  <a:pt x="2636627" y="0"/>
-                </a:cubicBezTo>
-                <a:cubicBezTo>
-                  <a:pt x="2819292" y="-14018"/>
-                  <a:pt x="3121375" y="5399"/>
-                  <a:pt x="3255095" y="0"/>
-                </a:cubicBezTo>
-                <a:cubicBezTo>
-                  <a:pt x="3254386" y="8157"/>
-                  <a:pt x="3254682" y="12125"/>
-                  <a:pt x="3255095" y="18288"/>
-                </a:cubicBezTo>
-                <a:cubicBezTo>
-                  <a:pt x="3088545" y="23203"/>
-                  <a:pt x="2687475" y="7419"/>
-                  <a:pt x="2538974" y="18288"/>
-                </a:cubicBezTo>
-                <a:cubicBezTo>
-                  <a:pt x="2390473" y="29157"/>
-                  <a:pt x="2137381" y="-8959"/>
-                  <a:pt x="1822853" y="18288"/>
-                </a:cubicBezTo>
-                <a:cubicBezTo>
-                  <a:pt x="1508325" y="45535"/>
-                  <a:pt x="1466437" y="20385"/>
-                  <a:pt x="1171834" y="18288"/>
-                </a:cubicBezTo>
-                <a:cubicBezTo>
-                  <a:pt x="877231" y="16191"/>
-                  <a:pt x="561097" y="37643"/>
-                  <a:pt x="0" y="18288"/>
-                </a:cubicBezTo>
-                <a:cubicBezTo>
-                  <a:pt x="-46" y="12483"/>
-                  <a:pt x="-203" y="6491"/>
-                  <a:pt x="0" y="0"/>
-                </a:cubicBezTo>
-                <a:close/>
-              </a:path>
-              <a:path w="3255095" h="18288" stroke="0" extrusionOk="0">
-                <a:moveTo>
-                  <a:pt x="0" y="0"/>
-                </a:moveTo>
-                <a:cubicBezTo>
-                  <a:pt x="291965" y="19429"/>
-                  <a:pt x="363155" y="8568"/>
-                  <a:pt x="618468" y="0"/>
-                </a:cubicBezTo>
-                <a:cubicBezTo>
-                  <a:pt x="873781" y="-8568"/>
-                  <a:pt x="904459" y="-19505"/>
-                  <a:pt x="1171834" y="0"/>
-                </a:cubicBezTo>
-                <a:cubicBezTo>
-                  <a:pt x="1439209" y="19505"/>
-                  <a:pt x="1744369" y="9790"/>
-                  <a:pt x="1887955" y="0"/>
-                </a:cubicBezTo>
-                <a:cubicBezTo>
-                  <a:pt x="2031541" y="-9790"/>
-                  <a:pt x="2346378" y="21240"/>
-                  <a:pt x="2506423" y="0"/>
-                </a:cubicBezTo>
-                <a:cubicBezTo>
-                  <a:pt x="2666468" y="-21240"/>
-                  <a:pt x="2990257" y="30414"/>
-                  <a:pt x="3255095" y="0"/>
-                </a:cubicBezTo>
-                <a:cubicBezTo>
-                  <a:pt x="3254831" y="4493"/>
-                  <a:pt x="3255479" y="9472"/>
-                  <a:pt x="3255095" y="18288"/>
-                </a:cubicBezTo>
-                <a:cubicBezTo>
-                  <a:pt x="3120743" y="16690"/>
-                  <a:pt x="2759628" y="42462"/>
-                  <a:pt x="2604076" y="18288"/>
-                </a:cubicBezTo>
-                <a:cubicBezTo>
-                  <a:pt x="2448524" y="-5886"/>
-                  <a:pt x="2184336" y="19599"/>
-                  <a:pt x="1887955" y="18288"/>
-                </a:cubicBezTo>
-                <a:cubicBezTo>
-                  <a:pt x="1591574" y="16977"/>
-                  <a:pt x="1548845" y="6870"/>
-                  <a:pt x="1334589" y="18288"/>
-                </a:cubicBezTo>
-                <a:cubicBezTo>
-                  <a:pt x="1120333" y="29706"/>
-                  <a:pt x="996014" y="9662"/>
-                  <a:pt x="683570" y="18288"/>
-                </a:cubicBezTo>
-                <a:cubicBezTo>
-                  <a:pt x="371126" y="26914"/>
-                  <a:pt x="198687" y="16167"/>
-                  <a:pt x="0" y="18288"/>
-                </a:cubicBezTo>
-                <a:cubicBezTo>
-                  <a:pt x="843" y="9577"/>
-                  <a:pt x="371" y="6900"/>
-                  <a:pt x="0" y="0"/>
-                </a:cubicBezTo>
-                <a:close/>
-              </a:path>
-            </a:pathLst>
-          </a:custGeom>
-          <a:solidFill>
-            <a:schemeClr val="accent2"/>
-          </a:solidFill>
-          <a:ln w="38100" cap="rnd">
-            <a:solidFill>
-              <a:schemeClr val="accent2"/>
-            </a:solidFill>
-            <a:round/>
-            <a:extLst>
-              <a:ext uri="{C807C97D-BFC1-408E-A445-0C87EB9F89A2}">
-                <ask:lineSketchStyleProps xmlns:ask="http://schemas.microsoft.com/office/drawing/2018/sketchyshapes" sd="1219033472">
-                  <a:prstGeom prst="rect">
-                    <a:avLst/>
-                  </a:prstGeom>
-                  <ask:type>
-                    <ask:lineSketchFreehand/>
-                  </ask:type>
-                </ask:lineSketchStyleProps>
-              </a:ext>
-            </a:extLst>
-          </a:ln>
-        </p:spPr>
-        <p:style>
-          <a:lnRef idx="2">
-            <a:schemeClr val="accent1">
-              <a:shade val="50000"/>
-            </a:schemeClr>
-          </a:lnRef>
-          <a:fillRef idx="1">
-            <a:schemeClr val="accent1"/>
-          </a:fillRef>
-          <a:effectRef idx="0">
-            <a:schemeClr val="accent1"/>
-          </a:effectRef>
-          <a:fontRef idx="minor">
-            <a:schemeClr val="lt1"/>
-          </a:fontRef>
-        </p:style>
-        <p:txBody>
-          <a:bodyPr rtlCol="0" anchor="ctr"/>
-          <a:lstStyle/>
-          <a:p>
-            <a:pPr algn="ctr"/>
-            <a:endParaRPr lang="en-US"/>
-          </a:p>
-        </p:txBody>
-      </p:sp>
-      <p:sp>
-        <p:nvSpPr>
-          <p:cNvPr id="3" name="Pladsholder til indhold 2">
-            <a:extLst>
-              <a:ext uri="{FF2B5EF4-FFF2-40B4-BE49-F238E27FC236}">
-                <a16:creationId xmlns:a16="http://schemas.microsoft.com/office/drawing/2014/main" id="{1AD8BF0D-95CD-A026-280C-E3281C6899BC}"/>
-              </a:ext>
-            </a:extLst>
-          </p:cNvPr>
-          <p:cNvSpPr>
-            <a:spLocks noGrp="1"/>
-          </p:cNvSpPr>
-          <p:nvPr>
-            <p:ph idx="1"/>
-          </p:nvPr>
-        </p:nvSpPr>
-        <p:spPr>
-          <a:xfrm>
-            <a:off x="630936" y="2660904"/>
-            <a:ext cx="4818888" cy="3547872"/>
-          </a:xfrm>
-        </p:spPr>
-        <p:txBody>
-          <a:bodyPr anchor="t">
-            <a:normAutofit/>
-          </a:bodyPr>
-          <a:lstStyle/>
-          <a:p>
-            <a:r>
-              <a:rPr lang="da-DK" sz="2200"/>
-              <a:t>Physical components in an electronic computer</a:t>
-            </a:r>
-          </a:p>
-          <a:p>
-            <a:r>
-              <a:rPr lang="da-DK" sz="2200"/>
-              <a:t>Processor (CPU)</a:t>
-            </a:r>
-          </a:p>
-          <a:p>
-            <a:r>
-              <a:rPr lang="da-DK" sz="2200"/>
-              <a:t>Memory (RAM)</a:t>
-            </a:r>
-          </a:p>
-          <a:p>
-            <a:r>
-              <a:rPr lang="da-DK" sz="2200"/>
-              <a:t>Permanent storage (HDD, SSD, …)</a:t>
-            </a:r>
-          </a:p>
-          <a:p>
-            <a:r>
-              <a:rPr lang="da-DK" sz="2200"/>
-              <a:t>Input/Output devices (Monitor, Keyboard, Mouse, Camera…)</a:t>
-            </a:r>
-          </a:p>
-          <a:p>
-            <a:r>
-              <a:rPr lang="da-DK" sz="2200"/>
-              <a:t>…more exotic devices (3D printers, VR/AR, …)</a:t>
-            </a:r>
-          </a:p>
-        </p:txBody>
-      </p:sp>
-      <p:pic>
-        <p:nvPicPr>
-          <p:cNvPr id="4" name="Picture 2" descr="Billedresultat for hardware">
-            <a:extLst>
-              <a:ext uri="{FF2B5EF4-FFF2-40B4-BE49-F238E27FC236}">
-                <a16:creationId xmlns:a16="http://schemas.microsoft.com/office/drawing/2014/main" id="{B558DE07-538B-6528-E898-F486ABA099C4}"/>
-              </a:ext>
-            </a:extLst>
-          </p:cNvPr>
-          <p:cNvPicPr>
-            <a:picLocks noChangeAspect="1" noChangeArrowheads="1"/>
-          </p:cNvPicPr>
-          <p:nvPr/>
-        </p:nvPicPr>
-        <p:blipFill>
-          <a:blip r:embed="rId2">
-            <a:extLst>
-              <a:ext uri="{28A0092B-C50C-407E-A947-70E740481C1C}">
-                <a14:useLocalDpi xmlns:a14="http://schemas.microsoft.com/office/drawing/2010/main" val="0"/>
-              </a:ext>
-            </a:extLst>
-          </a:blip>
-          <a:stretch>
-            <a:fillRect/>
-          </a:stretch>
-        </p:blipFill>
-        <p:spPr bwMode="auto">
-          <a:xfrm>
-            <a:off x="6099048" y="1893665"/>
-            <a:ext cx="5458968" cy="3070669"/>
-          </a:xfrm>
-          <a:prstGeom prst="rect">
-            <a:avLst/>
-          </a:prstGeom>
-          <a:noFill/>
-          <a:extLst>
-            <a:ext uri="{909E8E84-426E-40DD-AFC4-6F175D3DCCD1}">
-              <a14:hiddenFill xmlns:a14="http://schemas.microsoft.com/office/drawing/2010/main">
-                <a:solidFill>
-                  <a:srgbClr val="FFFFFF"/>
-                </a:solidFill>
-              </a14:hiddenFill>
-            </a:ext>
-          </a:extLst>
-        </p:spPr>
-      </p:pic>
-    </p:spTree>
-    <p:extLst>
-      <p:ext uri="{BB962C8B-B14F-4D97-AF65-F5344CB8AC3E}">
-        <p14:creationId xmlns:p14="http://schemas.microsoft.com/office/powerpoint/2010/main" val="266905530"/>
-      </p:ext>
-    </p:extLst>
-  </p:cSld>
-  <p:clrMapOvr>
-    <a:masterClrMapping/>
-  </p:clrMapOvr>
-  <mc:AlternateContent xmlns:mc="http://schemas.openxmlformats.org/markup-compatibility/2006" xmlns:p14="http://schemas.microsoft.com/office/powerpoint/2010/main">
-    <mc:Choice Requires="p14">
-      <p:transition spd="med" p14:dur="700">
-        <p:fade/>
-      </p:transition>
-    </mc:Choice>
-    <mc:Fallback xmlns="">
-      <p:transition spd="med">
-        <p:fade/>
-      </p:transition>
-    </mc:Fallback>
-  </mc:AlternateContent>
-</p:sld>
-</file>
-
-<file path=ppt/slides/slide20.xml><?xml version="1.0" encoding="utf-8"?>
+<file path=ppt/slides/slide21.xml><?xml version="1.0" encoding="utf-8"?>
 <p:sld xmlns:a="http://schemas.openxmlformats.org/drawingml/2006/main" xmlns:r="http://schemas.openxmlformats.org/officeDocument/2006/relationships" xmlns:p="http://schemas.openxmlformats.org/presentationml/2006/main">
   <p:cSld>
     <p:bg>
@@ -11391,7 +11648,7 @@
           <a:p>
             <a:r>
               <a:rPr lang="da-DK" sz="2200"/>
-              <a:t>Modern PC: about 3-4 GHz</a:t>
+              <a:t>Modern PC: about 3-5 GHz</a:t>
             </a:r>
           </a:p>
           <a:p>
@@ -11439,7 +11696,7 @@
 </p:sld>
 </file>
 
-<file path=ppt/slides/slide21.xml><?xml version="1.0" encoding="utf-8"?>
+<file path=ppt/slides/slide22.xml><?xml version="1.0" encoding="utf-8"?>
 <p:sld xmlns:a="http://schemas.openxmlformats.org/drawingml/2006/main" xmlns:r="http://schemas.openxmlformats.org/officeDocument/2006/relationships" xmlns:p="http://schemas.openxmlformats.org/presentationml/2006/main">
   <p:cSld>
     <p:spTree>
@@ -11746,7 +12003,7 @@
 </p:sld>
 </file>
 
-<file path=ppt/slides/slide22.xml><?xml version="1.0" encoding="utf-8"?>
+<file path=ppt/slides/slide23.xml><?xml version="1.0" encoding="utf-8"?>
 <p:sld xmlns:a="http://schemas.openxmlformats.org/drawingml/2006/main" xmlns:r="http://schemas.openxmlformats.org/officeDocument/2006/relationships" xmlns:p="http://schemas.openxmlformats.org/presentationml/2006/main">
   <p:cSld>
     <p:bg>
@@ -12411,16 +12668,23 @@
             </a:r>
             <a:r>
               <a:rPr lang="da-DK" sz="2200" dirty="0"/>
-              <a:t> to image </a:t>
-            </a:r>
-            <a:r>
-              <a:rPr lang="da-DK" sz="2200" dirty="0" err="1"/>
-              <a:t>rendering</a:t>
-            </a:r>
-            <a:r>
-              <a:rPr lang="da-DK" sz="2200" dirty="0"/>
-              <a:t> </a:t>
-            </a:r>
+              <a:t> to </a:t>
+            </a:r>
+            <a:r>
+              <a:rPr lang="da-DK" sz="2200"/>
+              <a:t>image rendering</a:t>
+            </a:r>
+          </a:p>
+          <a:p>
+            <a:r>
+              <a:rPr lang="da-DK" sz="2200" b="1"/>
+              <a:t>GPU</a:t>
+            </a:r>
+            <a:r>
+              <a:rPr lang="da-DK" sz="2200"/>
+              <a:t> architecture also turned out to be excellent for AI computation! </a:t>
+            </a:r>
+            <a:endParaRPr lang="da-DK" sz="2200" dirty="0"/>
           </a:p>
         </p:txBody>
       </p:sp>
@@ -12449,7 +12713,67 @@
 </p:sld>
 </file>
 
-<file path=ppt/slides/slide23.xml><?xml version="1.0" encoding="utf-8"?>
+<file path=ppt/slides/slide24.xml><?xml version="1.0" encoding="utf-8"?>
+<p:sld xmlns:a="http://schemas.openxmlformats.org/drawingml/2006/main" xmlns:r="http://schemas.openxmlformats.org/officeDocument/2006/relationships" xmlns:p="http://schemas.openxmlformats.org/presentationml/2006/main">
+  <p:cSld>
+    <p:spTree>
+      <p:nvGrpSpPr>
+        <p:cNvPr id="1" name=""/>
+        <p:cNvGrpSpPr/>
+        <p:nvPr/>
+      </p:nvGrpSpPr>
+      <p:grpSpPr>
+        <a:xfrm>
+          <a:off x="0" y="0"/>
+          <a:ext cx="0" cy="0"/>
+          <a:chOff x="0" y="0"/>
+          <a:chExt cx="0" cy="0"/>
+        </a:xfrm>
+      </p:grpSpPr>
+      <p:pic>
+        <p:nvPicPr>
+          <p:cNvPr id="5" name="Billede 4">
+            <a:extLst>
+              <a:ext uri="{FF2B5EF4-FFF2-40B4-BE49-F238E27FC236}">
+                <a16:creationId xmlns:a16="http://schemas.microsoft.com/office/drawing/2014/main" id="{FFEEF9E8-2357-9C54-0FC2-BFC3E61FE2EA}"/>
+              </a:ext>
+            </a:extLst>
+          </p:cNvPr>
+          <p:cNvPicPr>
+            <a:picLocks noChangeAspect="1"/>
+          </p:cNvPicPr>
+          <p:nvPr/>
+        </p:nvPicPr>
+        <p:blipFill>
+          <a:blip r:embed="rId2"/>
+          <a:stretch>
+            <a:fillRect/>
+          </a:stretch>
+        </p:blipFill>
+        <p:spPr>
+          <a:xfrm>
+            <a:off x="1463824" y="326207"/>
+            <a:ext cx="8877359" cy="5833237"/>
+          </a:xfrm>
+          <a:prstGeom prst="rect">
+            <a:avLst/>
+          </a:prstGeom>
+        </p:spPr>
+      </p:pic>
+    </p:spTree>
+    <p:extLst>
+      <p:ext uri="{BB962C8B-B14F-4D97-AF65-F5344CB8AC3E}">
+        <p14:creationId xmlns:p14="http://schemas.microsoft.com/office/powerpoint/2010/main" val="4110351040"/>
+      </p:ext>
+    </p:extLst>
+  </p:cSld>
+  <p:clrMapOvr>
+    <a:masterClrMapping/>
+  </p:clrMapOvr>
+</p:sld>
+</file>
+
+<file path=ppt/slides/slide25.xml><?xml version="1.0" encoding="utf-8"?>
 <p:sld xmlns:a="http://schemas.openxmlformats.org/drawingml/2006/main" xmlns:r="http://schemas.openxmlformats.org/officeDocument/2006/relationships" xmlns:p="http://schemas.openxmlformats.org/presentationml/2006/main">
   <p:cSld>
     <p:bg>
@@ -13112,7 +13436,7 @@
 </p:sld>
 </file>
 
-<file path=ppt/slides/slide24.xml><?xml version="1.0" encoding="utf-8"?>
+<file path=ppt/slides/slide26.xml><?xml version="1.0" encoding="utf-8"?>
 <p:sld xmlns:a="http://schemas.openxmlformats.org/drawingml/2006/main" xmlns:r="http://schemas.openxmlformats.org/officeDocument/2006/relationships" xmlns:p="http://schemas.openxmlformats.org/presentationml/2006/main">
   <p:cSld>
     <p:bg>
@@ -13738,12 +14062,16 @@
           <a:p>
             <a:pPr lvl="1"/>
             <a:r>
-              <a:rPr lang="da-DK" sz="2200" b="1" dirty="0" err="1"/>
-              <a:t>Optic</a:t>
+              <a:rPr lang="da-DK" sz="2200" b="1"/>
+              <a:t>Optical</a:t>
+            </a:r>
+            <a:r>
+              <a:rPr lang="da-DK" sz="2200"/>
+              <a:t> </a:t>
             </a:r>
             <a:r>
               <a:rPr lang="da-DK" sz="2200" dirty="0"/>
-              <a:t> (DVD, </a:t>
+              <a:t>(DVD, </a:t>
             </a:r>
             <a:r>
               <a:rPr lang="da-DK" sz="2200" dirty="0" err="1"/>
@@ -13813,7 +14141,7 @@
 </p:sld>
 </file>
 
-<file path=ppt/slides/slide25.xml><?xml version="1.0" encoding="utf-8"?>
+<file path=ppt/slides/slide27.xml><?xml version="1.0" encoding="utf-8"?>
 <p:sld xmlns:a="http://schemas.openxmlformats.org/drawingml/2006/main" xmlns:r="http://schemas.openxmlformats.org/officeDocument/2006/relationships" xmlns:p="http://schemas.openxmlformats.org/presentationml/2006/main">
   <p:cSld>
     <p:bg>
@@ -14399,7 +14727,7 @@
 </p:sld>
 </file>
 
-<file path=ppt/slides/slide26.xml><?xml version="1.0" encoding="utf-8"?>
+<file path=ppt/slides/slide28.xml><?xml version="1.0" encoding="utf-8"?>
 <p:sld xmlns:a="http://schemas.openxmlformats.org/drawingml/2006/main" xmlns:r="http://schemas.openxmlformats.org/officeDocument/2006/relationships" xmlns:p="http://schemas.openxmlformats.org/presentationml/2006/main">
   <p:cSld>
     <p:bg>
@@ -14925,7 +15253,7 @@
 </p:sld>
 </file>
 
-<file path=ppt/slides/slide27.xml><?xml version="1.0" encoding="utf-8"?>
+<file path=ppt/slides/slide29.xml><?xml version="1.0" encoding="utf-8"?>
 <p:sld xmlns:a="http://schemas.openxmlformats.org/drawingml/2006/main" xmlns:r="http://schemas.openxmlformats.org/officeDocument/2006/relationships" xmlns:p="http://schemas.openxmlformats.org/presentationml/2006/main">
   <p:cSld>
     <p:bg>
@@ -16062,7 +16390,39 @@
           <a:p>
             <a:r>
               <a:rPr lang="da-DK" sz="2200"/>
-              <a:t>Simplest use of current: on/off</a:t>
+              <a:t>Simplest use of current:</a:t>
+            </a:r>
+            <a:r>
+              <a:rPr lang="da-DK" sz="2200">
+                <a:solidFill>
+                  <a:schemeClr val="accent6">
+                    <a:lumMod val="75000"/>
+                  </a:schemeClr>
+                </a:solidFill>
+              </a:rPr>
+              <a:t> </a:t>
+            </a:r>
+            <a:r>
+              <a:rPr lang="da-DK" sz="2200" b="1">
+                <a:solidFill>
+                  <a:schemeClr val="accent6">
+                    <a:lumMod val="75000"/>
+                  </a:schemeClr>
+                </a:solidFill>
+              </a:rPr>
+              <a:t>on</a:t>
+            </a:r>
+            <a:r>
+              <a:rPr lang="da-DK" sz="2200" b="1"/>
+              <a:t>/</a:t>
+            </a:r>
+            <a:r>
+              <a:rPr lang="da-DK" sz="2200" b="1">
+                <a:solidFill>
+                  <a:srgbClr val="FF0000"/>
+                </a:solidFill>
+              </a:rPr>
+              <a:t>off</a:t>
             </a:r>
           </a:p>
           <a:p>
@@ -16078,9 +16438,6 @@
               <a:rPr lang="da-DK" sz="2200"/>
               <a:t> can use this for calculation</a:t>
             </a:r>
-          </a:p>
-          <a:p>
-            <a:endParaRPr lang="da-DK" sz="2200"/>
           </a:p>
         </p:txBody>
       </p:sp>
@@ -17823,19 +18180,37 @@
               <a:t> or more </a:t>
             </a:r>
             <a:r>
-              <a:rPr lang="da-DK" sz="2200" dirty="0" err="1"/>
+              <a:rPr lang="da-DK" sz="2200" err="1"/>
               <a:t>boolean</a:t>
             </a:r>
             <a:r>
-              <a:rPr lang="da-DK" sz="2200" dirty="0"/>
-              <a:t> (on/</a:t>
-            </a:r>
-            <a:r>
-              <a:rPr lang="da-DK" sz="2200" dirty="0" err="1"/>
+              <a:rPr lang="da-DK" sz="2200"/>
+              <a:t> (</a:t>
+            </a:r>
+            <a:r>
+              <a:rPr lang="da-DK" sz="2200" b="1">
+                <a:solidFill>
+                  <a:schemeClr val="accent6">
+                    <a:lumMod val="75000"/>
+                  </a:schemeClr>
+                </a:solidFill>
+              </a:rPr>
+              <a:t>on</a:t>
+            </a:r>
+            <a:r>
+              <a:rPr lang="da-DK" sz="2200" b="1"/>
+              <a:t>/</a:t>
+            </a:r>
+            <a:r>
+              <a:rPr lang="da-DK" sz="2200" b="1">
+                <a:solidFill>
+                  <a:srgbClr val="FF0000"/>
+                </a:solidFill>
+              </a:rPr>
               <a:t>off</a:t>
             </a:r>
             <a:r>
-              <a:rPr lang="da-DK" sz="2200" dirty="0"/>
+              <a:rPr lang="da-DK" sz="2200"/>
               <a:t>) </a:t>
             </a:r>
             <a:r>
@@ -18465,7 +18840,7 @@
           <p:nvPr>
             <p:extLst>
               <p:ext uri="{D42A27DB-BD31-4B8C-83A1-F6EECF244321}">
-                <p14:modId xmlns:p14="http://schemas.microsoft.com/office/powerpoint/2010/main" val="3906489933"/>
+                <p14:modId xmlns:p14="http://schemas.microsoft.com/office/powerpoint/2010/main" val="1766968404"/>
               </p:ext>
             </p:extLst>
           </p:nvPr>
@@ -18702,12 +19077,12 @@
                     <a:lstStyle/>
                     <a:p>
                       <a:r>
-                        <a:rPr lang="da-DK" sz="3600" b="1" dirty="0" err="1">
+                        <a:rPr lang="da-DK" sz="3600" b="1">
                           <a:solidFill>
                             <a:srgbClr val="FF0000"/>
                           </a:solidFill>
                         </a:rPr>
-                        <a:t>Off</a:t>
+                        <a:t>false</a:t>
                       </a:r>
                       <a:endParaRPr lang="da-DK" sz="3600" b="1" dirty="0"/>
                     </a:p>
